--- a/Design/Backup/프레젠테이션1.pptx
+++ b/Design/Backup/프레젠테이션1.pptx
@@ -10,6 +10,7 @@
     <p:sldId id="258" r:id="rId4"/>
     <p:sldId id="259" r:id="rId5"/>
     <p:sldId id="260" r:id="rId6"/>
+    <p:sldId id="261" r:id="rId7"/>
   </p:sldIdLst>
   <p:sldSz cx="9144000" cy="6858000" type="screen4x3"/>
   <p:notesSz cx="6858000" cy="9144000"/>
@@ -292,7 +293,7 @@
           <a:p>
             <a:fld id="{09D43997-36EC-42E4-B877-C537C896CCA1}" type="datetimeFigureOut">
               <a:rPr lang="ko-KR" altLang="en-US" smtClean="0"/>
-              <a:t>2015-11-24</a:t>
+              <a:t>2015-12-22</a:t>
             </a:fld>
             <a:endParaRPr lang="ko-KR" altLang="en-US"/>
           </a:p>
@@ -462,7 +463,7 @@
           <a:p>
             <a:fld id="{09D43997-36EC-42E4-B877-C537C896CCA1}" type="datetimeFigureOut">
               <a:rPr lang="ko-KR" altLang="en-US" smtClean="0"/>
-              <a:t>2015-11-24</a:t>
+              <a:t>2015-12-22</a:t>
             </a:fld>
             <a:endParaRPr lang="ko-KR" altLang="en-US"/>
           </a:p>
@@ -642,7 +643,7 @@
           <a:p>
             <a:fld id="{09D43997-36EC-42E4-B877-C537C896CCA1}" type="datetimeFigureOut">
               <a:rPr lang="ko-KR" altLang="en-US" smtClean="0"/>
-              <a:t>2015-11-24</a:t>
+              <a:t>2015-12-22</a:t>
             </a:fld>
             <a:endParaRPr lang="ko-KR" altLang="en-US"/>
           </a:p>
@@ -812,7 +813,7 @@
           <a:p>
             <a:fld id="{09D43997-36EC-42E4-B877-C537C896CCA1}" type="datetimeFigureOut">
               <a:rPr lang="ko-KR" altLang="en-US" smtClean="0"/>
-              <a:t>2015-11-24</a:t>
+              <a:t>2015-12-22</a:t>
             </a:fld>
             <a:endParaRPr lang="ko-KR" altLang="en-US"/>
           </a:p>
@@ -1058,7 +1059,7 @@
           <a:p>
             <a:fld id="{09D43997-36EC-42E4-B877-C537C896CCA1}" type="datetimeFigureOut">
               <a:rPr lang="ko-KR" altLang="en-US" smtClean="0"/>
-              <a:t>2015-11-24</a:t>
+              <a:t>2015-12-22</a:t>
             </a:fld>
             <a:endParaRPr lang="ko-KR" altLang="en-US"/>
           </a:p>
@@ -1346,7 +1347,7 @@
           <a:p>
             <a:fld id="{09D43997-36EC-42E4-B877-C537C896CCA1}" type="datetimeFigureOut">
               <a:rPr lang="ko-KR" altLang="en-US" smtClean="0"/>
-              <a:t>2015-11-24</a:t>
+              <a:t>2015-12-22</a:t>
             </a:fld>
             <a:endParaRPr lang="ko-KR" altLang="en-US"/>
           </a:p>
@@ -1768,7 +1769,7 @@
           <a:p>
             <a:fld id="{09D43997-36EC-42E4-B877-C537C896CCA1}" type="datetimeFigureOut">
               <a:rPr lang="ko-KR" altLang="en-US" smtClean="0"/>
-              <a:t>2015-11-24</a:t>
+              <a:t>2015-12-22</a:t>
             </a:fld>
             <a:endParaRPr lang="ko-KR" altLang="en-US"/>
           </a:p>
@@ -1886,7 +1887,7 @@
           <a:p>
             <a:fld id="{09D43997-36EC-42E4-B877-C537C896CCA1}" type="datetimeFigureOut">
               <a:rPr lang="ko-KR" altLang="en-US" smtClean="0"/>
-              <a:t>2015-11-24</a:t>
+              <a:t>2015-12-22</a:t>
             </a:fld>
             <a:endParaRPr lang="ko-KR" altLang="en-US"/>
           </a:p>
@@ -1981,7 +1982,7 @@
           <a:p>
             <a:fld id="{09D43997-36EC-42E4-B877-C537C896CCA1}" type="datetimeFigureOut">
               <a:rPr lang="ko-KR" altLang="en-US" smtClean="0"/>
-              <a:t>2015-11-24</a:t>
+              <a:t>2015-12-22</a:t>
             </a:fld>
             <a:endParaRPr lang="ko-KR" altLang="en-US"/>
           </a:p>
@@ -2258,7 +2259,7 @@
           <a:p>
             <a:fld id="{09D43997-36EC-42E4-B877-C537C896CCA1}" type="datetimeFigureOut">
               <a:rPr lang="ko-KR" altLang="en-US" smtClean="0"/>
-              <a:t>2015-11-24</a:t>
+              <a:t>2015-12-22</a:t>
             </a:fld>
             <a:endParaRPr lang="ko-KR" altLang="en-US"/>
           </a:p>
@@ -2511,7 +2512,7 @@
           <a:p>
             <a:fld id="{09D43997-36EC-42E4-B877-C537C896CCA1}" type="datetimeFigureOut">
               <a:rPr lang="ko-KR" altLang="en-US" smtClean="0"/>
-              <a:t>2015-11-24</a:t>
+              <a:t>2015-12-22</a:t>
             </a:fld>
             <a:endParaRPr lang="ko-KR" altLang="en-US"/>
           </a:p>
@@ -2724,7 +2725,7 @@
           <a:p>
             <a:fld id="{09D43997-36EC-42E4-B877-C537C896CCA1}" type="datetimeFigureOut">
               <a:rPr lang="ko-KR" altLang="en-US" smtClean="0"/>
-              <a:t>2015-11-24</a:t>
+              <a:t>2015-12-22</a:t>
             </a:fld>
             <a:endParaRPr lang="ko-KR" altLang="en-US"/>
           </a:p>
@@ -13315,6 +13316,1831 @@
 </p:sld>
 </file>
 
+<file path=ppt/slides/slide6.xml><?xml version="1.0" encoding="utf-8"?>
+<p:sld xmlns:a="http://schemas.openxmlformats.org/drawingml/2006/main" xmlns:r="http://schemas.openxmlformats.org/officeDocument/2006/relationships" xmlns:p="http://schemas.openxmlformats.org/presentationml/2006/main">
+  <p:cSld>
+    <p:spTree>
+      <p:nvGrpSpPr>
+        <p:cNvPr id="1" name=""/>
+        <p:cNvGrpSpPr/>
+        <p:nvPr/>
+      </p:nvGrpSpPr>
+      <p:grpSpPr>
+        <a:xfrm>
+          <a:off x="0" y="0"/>
+          <a:ext cx="0" cy="0"/>
+          <a:chOff x="0" y="0"/>
+          <a:chExt cx="0" cy="0"/>
+        </a:xfrm>
+      </p:grpSpPr>
+      <p:sp>
+        <p:nvSpPr>
+          <p:cNvPr id="4" name="직사각형 3"/>
+          <p:cNvSpPr/>
+          <p:nvPr/>
+        </p:nvSpPr>
+        <p:spPr>
+          <a:xfrm>
+            <a:off x="3347864" y="3424612"/>
+            <a:ext cx="720000" cy="360000"/>
+          </a:xfrm>
+          <a:prstGeom prst="rect">
+            <a:avLst/>
+          </a:prstGeom>
+          <a:noFill/>
+          <a:ln w="9525">
+            <a:solidFill>
+              <a:schemeClr val="tx1"/>
+            </a:solidFill>
+          </a:ln>
+        </p:spPr>
+        <p:style>
+          <a:lnRef idx="2">
+            <a:schemeClr val="accent1">
+              <a:shade val="50000"/>
+            </a:schemeClr>
+          </a:lnRef>
+          <a:fillRef idx="1">
+            <a:schemeClr val="accent1"/>
+          </a:fillRef>
+          <a:effectRef idx="0">
+            <a:schemeClr val="accent1"/>
+          </a:effectRef>
+          <a:fontRef idx="minor">
+            <a:schemeClr val="lt1"/>
+          </a:fontRef>
+        </p:style>
+        <p:txBody>
+          <a:bodyPr lIns="0" tIns="0" rIns="0" bIns="0" rtlCol="0" anchor="ctr"/>
+          <a:lstStyle/>
+          <a:p>
+            <a:pPr algn="ctr"/>
+            <a:r>
+              <a:rPr lang="ko-KR" altLang="en-US" sz="1000" dirty="0" err="1" smtClean="0">
+                <a:solidFill>
+                  <a:schemeClr val="tx1"/>
+                </a:solidFill>
+              </a:rPr>
+              <a:t>노멀</a:t>
+            </a:r>
+            <a:endParaRPr lang="ko-KR" altLang="en-US" sz="1000" dirty="0">
+              <a:solidFill>
+                <a:schemeClr val="tx1"/>
+              </a:solidFill>
+            </a:endParaRPr>
+          </a:p>
+        </p:txBody>
+      </p:sp>
+      <p:sp>
+        <p:nvSpPr>
+          <p:cNvPr id="5" name="직사각형 4"/>
+          <p:cNvSpPr/>
+          <p:nvPr/>
+        </p:nvSpPr>
+        <p:spPr>
+          <a:xfrm>
+            <a:off x="1547664" y="3424612"/>
+            <a:ext cx="720000" cy="360000"/>
+          </a:xfrm>
+          <a:prstGeom prst="rect">
+            <a:avLst/>
+          </a:prstGeom>
+          <a:noFill/>
+          <a:ln w="9525">
+            <a:solidFill>
+              <a:schemeClr val="tx1"/>
+            </a:solidFill>
+          </a:ln>
+        </p:spPr>
+        <p:style>
+          <a:lnRef idx="2">
+            <a:schemeClr val="accent1">
+              <a:shade val="50000"/>
+            </a:schemeClr>
+          </a:lnRef>
+          <a:fillRef idx="1">
+            <a:schemeClr val="accent1"/>
+          </a:fillRef>
+          <a:effectRef idx="0">
+            <a:schemeClr val="accent1"/>
+          </a:effectRef>
+          <a:fontRef idx="minor">
+            <a:schemeClr val="lt1"/>
+          </a:fontRef>
+        </p:style>
+        <p:txBody>
+          <a:bodyPr lIns="0" tIns="0" rIns="0" bIns="0" rtlCol="0" anchor="ctr"/>
+          <a:lstStyle/>
+          <a:p>
+            <a:pPr algn="ctr"/>
+            <a:r>
+              <a:rPr lang="ko-KR" altLang="en-US" sz="1000" smtClean="0">
+                <a:solidFill>
+                  <a:schemeClr val="tx1"/>
+                </a:solidFill>
+              </a:rPr>
+              <a:t>그로기</a:t>
+            </a:r>
+            <a:endParaRPr lang="ko-KR" altLang="en-US" sz="1000" dirty="0">
+              <a:solidFill>
+                <a:schemeClr val="tx1"/>
+              </a:solidFill>
+            </a:endParaRPr>
+          </a:p>
+        </p:txBody>
+      </p:sp>
+      <p:sp>
+        <p:nvSpPr>
+          <p:cNvPr id="6" name="직사각형 5"/>
+          <p:cNvSpPr/>
+          <p:nvPr/>
+        </p:nvSpPr>
+        <p:spPr>
+          <a:xfrm>
+            <a:off x="5153174" y="3424612"/>
+            <a:ext cx="720000" cy="360000"/>
+          </a:xfrm>
+          <a:prstGeom prst="rect">
+            <a:avLst/>
+          </a:prstGeom>
+          <a:noFill/>
+          <a:ln w="9525">
+            <a:solidFill>
+              <a:schemeClr val="tx1"/>
+            </a:solidFill>
+          </a:ln>
+        </p:spPr>
+        <p:style>
+          <a:lnRef idx="2">
+            <a:schemeClr val="accent1">
+              <a:shade val="50000"/>
+            </a:schemeClr>
+          </a:lnRef>
+          <a:fillRef idx="1">
+            <a:schemeClr val="accent1"/>
+          </a:fillRef>
+          <a:effectRef idx="0">
+            <a:schemeClr val="accent1"/>
+          </a:effectRef>
+          <a:fontRef idx="minor">
+            <a:schemeClr val="lt1"/>
+          </a:fontRef>
+        </p:style>
+        <p:txBody>
+          <a:bodyPr lIns="0" tIns="0" rIns="0" bIns="0" rtlCol="0" anchor="ctr"/>
+          <a:lstStyle/>
+          <a:p>
+            <a:pPr algn="ctr"/>
+            <a:r>
+              <a:rPr lang="ko-KR" altLang="en-US" sz="1000" dirty="0" err="1" smtClean="0">
+                <a:solidFill>
+                  <a:schemeClr val="tx1"/>
+                </a:solidFill>
+              </a:rPr>
+              <a:t>피버</a:t>
+            </a:r>
+            <a:endParaRPr lang="ko-KR" altLang="en-US" sz="1000" dirty="0">
+              <a:solidFill>
+                <a:schemeClr val="tx1"/>
+              </a:solidFill>
+            </a:endParaRPr>
+          </a:p>
+        </p:txBody>
+      </p:sp>
+      <p:cxnSp>
+        <p:nvCxnSpPr>
+          <p:cNvPr id="7" name="직선 화살표 연결선 6"/>
+          <p:cNvCxnSpPr>
+            <a:stCxn id="5" idx="3"/>
+            <a:endCxn id="4" idx="1"/>
+          </p:cNvCxnSpPr>
+          <p:nvPr/>
+        </p:nvCxnSpPr>
+        <p:spPr>
+          <a:xfrm>
+            <a:off x="2267664" y="3604612"/>
+            <a:ext cx="1080200" cy="0"/>
+          </a:xfrm>
+          <a:prstGeom prst="straightConnector1">
+            <a:avLst/>
+          </a:prstGeom>
+          <a:ln>
+            <a:solidFill>
+              <a:srgbClr val="C00000"/>
+            </a:solidFill>
+            <a:headEnd type="triangle" w="med" len="med"/>
+            <a:tailEnd type="triangle" w="med" len="med"/>
+          </a:ln>
+        </p:spPr>
+        <p:style>
+          <a:lnRef idx="1">
+            <a:schemeClr val="accent1"/>
+          </a:lnRef>
+          <a:fillRef idx="0">
+            <a:schemeClr val="accent1"/>
+          </a:fillRef>
+          <a:effectRef idx="0">
+            <a:schemeClr val="accent1"/>
+          </a:effectRef>
+          <a:fontRef idx="minor">
+            <a:schemeClr val="tx1"/>
+          </a:fontRef>
+        </p:style>
+      </p:cxnSp>
+      <p:cxnSp>
+        <p:nvCxnSpPr>
+          <p:cNvPr id="8" name="직선 화살표 연결선 7"/>
+          <p:cNvCxnSpPr/>
+          <p:nvPr/>
+        </p:nvCxnSpPr>
+        <p:spPr>
+          <a:xfrm>
+            <a:off x="4067864" y="3604612"/>
+            <a:ext cx="1080200" cy="0"/>
+          </a:xfrm>
+          <a:prstGeom prst="straightConnector1">
+            <a:avLst/>
+          </a:prstGeom>
+          <a:ln>
+            <a:solidFill>
+              <a:srgbClr val="C00000"/>
+            </a:solidFill>
+            <a:headEnd type="triangle" w="med" len="med"/>
+            <a:tailEnd type="triangle" w="med" len="med"/>
+          </a:ln>
+        </p:spPr>
+        <p:style>
+          <a:lnRef idx="1">
+            <a:schemeClr val="accent1"/>
+          </a:lnRef>
+          <a:fillRef idx="0">
+            <a:schemeClr val="accent1"/>
+          </a:fillRef>
+          <a:effectRef idx="0">
+            <a:schemeClr val="accent1"/>
+          </a:effectRef>
+          <a:fontRef idx="minor">
+            <a:schemeClr val="tx1"/>
+          </a:fontRef>
+        </p:style>
+      </p:cxnSp>
+      <p:sp>
+        <p:nvSpPr>
+          <p:cNvPr id="9" name="직사각형 8"/>
+          <p:cNvSpPr/>
+          <p:nvPr/>
+        </p:nvSpPr>
+        <p:spPr>
+          <a:xfrm>
+            <a:off x="899592" y="2848548"/>
+            <a:ext cx="6696744" cy="2520280"/>
+          </a:xfrm>
+          <a:prstGeom prst="rect">
+            <a:avLst/>
+          </a:prstGeom>
+          <a:noFill/>
+          <a:ln w="9525">
+            <a:solidFill>
+              <a:schemeClr val="tx1"/>
+            </a:solidFill>
+          </a:ln>
+        </p:spPr>
+        <p:style>
+          <a:lnRef idx="2">
+            <a:schemeClr val="accent1">
+              <a:shade val="50000"/>
+            </a:schemeClr>
+          </a:lnRef>
+          <a:fillRef idx="1">
+            <a:schemeClr val="accent1"/>
+          </a:fillRef>
+          <a:effectRef idx="0">
+            <a:schemeClr val="accent1"/>
+          </a:effectRef>
+          <a:fontRef idx="minor">
+            <a:schemeClr val="lt1"/>
+          </a:fontRef>
+        </p:style>
+        <p:txBody>
+          <a:bodyPr rtlCol="0" anchor="ctr"/>
+          <a:lstStyle/>
+          <a:p>
+            <a:pPr algn="ctr"/>
+            <a:endParaRPr lang="ko-KR" altLang="en-US"/>
+          </a:p>
+        </p:txBody>
+      </p:sp>
+      <p:sp>
+        <p:nvSpPr>
+          <p:cNvPr id="10" name="TextBox 9"/>
+          <p:cNvSpPr txBox="1"/>
+          <p:nvPr/>
+        </p:nvSpPr>
+        <p:spPr>
+          <a:xfrm>
+            <a:off x="1187624" y="2708920"/>
+            <a:ext cx="1144865" cy="307777"/>
+          </a:xfrm>
+          <a:prstGeom prst="rect">
+            <a:avLst/>
+          </a:prstGeom>
+          <a:solidFill>
+            <a:schemeClr val="bg1"/>
+          </a:solidFill>
+        </p:spPr>
+        <p:txBody>
+          <a:bodyPr wrap="none" rtlCol="0">
+            <a:spAutoFit/>
+          </a:bodyPr>
+          <a:lstStyle/>
+          <a:p>
+            <a:r>
+              <a:rPr lang="ko-KR" altLang="en-US" sz="1400" b="1" dirty="0" smtClean="0"/>
+              <a:t>기본 스탠스</a:t>
+            </a:r>
+            <a:endParaRPr lang="ko-KR" altLang="en-US" sz="1400" b="1" dirty="0"/>
+          </a:p>
+        </p:txBody>
+      </p:sp>
+      <p:sp>
+        <p:nvSpPr>
+          <p:cNvPr id="11" name="TextBox 10"/>
+          <p:cNvSpPr txBox="1"/>
+          <p:nvPr/>
+        </p:nvSpPr>
+        <p:spPr>
+          <a:xfrm>
+            <a:off x="2436508" y="3293671"/>
+            <a:ext cx="742511" cy="246221"/>
+          </a:xfrm>
+          <a:prstGeom prst="rect">
+            <a:avLst/>
+          </a:prstGeom>
+          <a:noFill/>
+        </p:spPr>
+        <p:txBody>
+          <a:bodyPr wrap="none" rtlCol="0">
+            <a:spAutoFit/>
+          </a:bodyPr>
+          <a:lstStyle/>
+          <a:p>
+            <a:r>
+              <a:rPr lang="ko-KR" altLang="en-US" sz="1000" err="1" smtClean="0"/>
+              <a:t>케어</a:t>
+            </a:r>
+            <a:r>
+              <a:rPr lang="ko-KR" altLang="en-US" sz="1000" dirty="0" smtClean="0"/>
+              <a:t> 실패</a:t>
+            </a:r>
+            <a:endParaRPr lang="ko-KR" altLang="en-US" sz="1000" dirty="0"/>
+          </a:p>
+        </p:txBody>
+      </p:sp>
+      <p:sp>
+        <p:nvSpPr>
+          <p:cNvPr id="12" name="TextBox 11"/>
+          <p:cNvSpPr txBox="1"/>
+          <p:nvPr/>
+        </p:nvSpPr>
+        <p:spPr>
+          <a:xfrm>
+            <a:off x="4236708" y="3293671"/>
+            <a:ext cx="742511" cy="246221"/>
+          </a:xfrm>
+          <a:prstGeom prst="rect">
+            <a:avLst/>
+          </a:prstGeom>
+          <a:noFill/>
+        </p:spPr>
+        <p:txBody>
+          <a:bodyPr wrap="none" rtlCol="0">
+            <a:spAutoFit/>
+          </a:bodyPr>
+          <a:lstStyle/>
+          <a:p>
+            <a:r>
+              <a:rPr lang="ko-KR" altLang="en-US" sz="1000" dirty="0" err="1" smtClean="0"/>
+              <a:t>케어</a:t>
+            </a:r>
+            <a:r>
+              <a:rPr lang="ko-KR" altLang="en-US" sz="1000" dirty="0" smtClean="0"/>
+              <a:t> 성공</a:t>
+            </a:r>
+            <a:endParaRPr lang="ko-KR" altLang="en-US" sz="1000" dirty="0"/>
+          </a:p>
+        </p:txBody>
+      </p:sp>
+      <p:sp>
+        <p:nvSpPr>
+          <p:cNvPr id="13" name="직사각형 12"/>
+          <p:cNvSpPr/>
+          <p:nvPr/>
+        </p:nvSpPr>
+        <p:spPr>
+          <a:xfrm>
+            <a:off x="1547624" y="1196752"/>
+            <a:ext cx="720000" cy="360000"/>
+          </a:xfrm>
+          <a:prstGeom prst="rect">
+            <a:avLst/>
+          </a:prstGeom>
+          <a:noFill/>
+          <a:ln w="9525">
+            <a:solidFill>
+              <a:schemeClr val="tx1"/>
+            </a:solidFill>
+          </a:ln>
+        </p:spPr>
+        <p:style>
+          <a:lnRef idx="2">
+            <a:schemeClr val="accent1">
+              <a:shade val="50000"/>
+            </a:schemeClr>
+          </a:lnRef>
+          <a:fillRef idx="1">
+            <a:schemeClr val="accent1"/>
+          </a:fillRef>
+          <a:effectRef idx="0">
+            <a:schemeClr val="accent1"/>
+          </a:effectRef>
+          <a:fontRef idx="minor">
+            <a:schemeClr val="lt1"/>
+          </a:fontRef>
+        </p:style>
+        <p:txBody>
+          <a:bodyPr lIns="0" tIns="0" rIns="0" bIns="0" rtlCol="0" anchor="ctr"/>
+          <a:lstStyle/>
+          <a:p>
+            <a:pPr algn="ctr"/>
+            <a:r>
+              <a:rPr lang="ko-KR" altLang="en-US" sz="1000" dirty="0" err="1" smtClean="0">
+                <a:solidFill>
+                  <a:schemeClr val="tx1"/>
+                </a:solidFill>
+              </a:rPr>
+              <a:t>스타트</a:t>
+            </a:r>
+            <a:endParaRPr lang="ko-KR" altLang="en-US" sz="1000" dirty="0">
+              <a:solidFill>
+                <a:schemeClr val="tx1"/>
+              </a:solidFill>
+            </a:endParaRPr>
+          </a:p>
+        </p:txBody>
+      </p:sp>
+      <p:sp>
+        <p:nvSpPr>
+          <p:cNvPr id="14" name="직사각형 13"/>
+          <p:cNvSpPr/>
+          <p:nvPr/>
+        </p:nvSpPr>
+        <p:spPr>
+          <a:xfrm>
+            <a:off x="3347904" y="1196752"/>
+            <a:ext cx="720000" cy="360000"/>
+          </a:xfrm>
+          <a:prstGeom prst="rect">
+            <a:avLst/>
+          </a:prstGeom>
+          <a:noFill/>
+          <a:ln w="9525">
+            <a:solidFill>
+              <a:schemeClr val="tx1"/>
+            </a:solidFill>
+          </a:ln>
+        </p:spPr>
+        <p:style>
+          <a:lnRef idx="2">
+            <a:schemeClr val="accent1">
+              <a:shade val="50000"/>
+            </a:schemeClr>
+          </a:lnRef>
+          <a:fillRef idx="1">
+            <a:schemeClr val="accent1"/>
+          </a:fillRef>
+          <a:effectRef idx="0">
+            <a:schemeClr val="accent1"/>
+          </a:effectRef>
+          <a:fontRef idx="minor">
+            <a:schemeClr val="lt1"/>
+          </a:fontRef>
+        </p:style>
+        <p:txBody>
+          <a:bodyPr lIns="0" tIns="0" rIns="0" bIns="0" rtlCol="0" anchor="ctr"/>
+          <a:lstStyle/>
+          <a:p>
+            <a:pPr algn="ctr"/>
+            <a:r>
+              <a:rPr lang="ko-KR" altLang="en-US" sz="1000" dirty="0" smtClean="0">
+                <a:solidFill>
+                  <a:schemeClr val="tx1"/>
+                </a:solidFill>
+              </a:rPr>
+              <a:t>아이들</a:t>
+            </a:r>
+            <a:endParaRPr lang="ko-KR" altLang="en-US" sz="1000" dirty="0">
+              <a:solidFill>
+                <a:schemeClr val="tx1"/>
+              </a:solidFill>
+            </a:endParaRPr>
+          </a:p>
+        </p:txBody>
+      </p:sp>
+      <p:sp>
+        <p:nvSpPr>
+          <p:cNvPr id="15" name="직사각형 14"/>
+          <p:cNvSpPr/>
+          <p:nvPr/>
+        </p:nvSpPr>
+        <p:spPr>
+          <a:xfrm>
+            <a:off x="5148063" y="1196752"/>
+            <a:ext cx="959855" cy="360000"/>
+          </a:xfrm>
+          <a:prstGeom prst="rect">
+            <a:avLst/>
+          </a:prstGeom>
+          <a:noFill/>
+          <a:ln w="9525">
+            <a:solidFill>
+              <a:schemeClr val="tx1"/>
+            </a:solidFill>
+          </a:ln>
+        </p:spPr>
+        <p:style>
+          <a:lnRef idx="2">
+            <a:schemeClr val="accent1">
+              <a:shade val="50000"/>
+            </a:schemeClr>
+          </a:lnRef>
+          <a:fillRef idx="1">
+            <a:schemeClr val="accent1"/>
+          </a:fillRef>
+          <a:effectRef idx="0">
+            <a:schemeClr val="accent1"/>
+          </a:effectRef>
+          <a:fontRef idx="minor">
+            <a:schemeClr val="lt1"/>
+          </a:fontRef>
+        </p:style>
+        <p:txBody>
+          <a:bodyPr lIns="0" tIns="0" rIns="0" bIns="0" rtlCol="0" anchor="ctr"/>
+          <a:lstStyle/>
+          <a:p>
+            <a:pPr algn="ctr"/>
+            <a:r>
+              <a:rPr lang="ko-KR" altLang="en-US" sz="1000" dirty="0" smtClean="0">
+                <a:solidFill>
+                  <a:schemeClr val="tx1"/>
+                </a:solidFill>
+              </a:rPr>
+              <a:t>결과</a:t>
+            </a:r>
+            <a:r>
+              <a:rPr lang="en-US" altLang="ko-KR" sz="1000" dirty="0" smtClean="0">
+                <a:solidFill>
+                  <a:schemeClr val="tx1"/>
+                </a:solidFill>
+              </a:rPr>
+              <a:t>1(</a:t>
+            </a:r>
+            <a:r>
+              <a:rPr lang="ko-KR" altLang="en-US" sz="1000" dirty="0" smtClean="0">
+                <a:solidFill>
+                  <a:schemeClr val="tx1"/>
+                </a:solidFill>
+              </a:rPr>
+              <a:t>복귀</a:t>
+            </a:r>
+            <a:r>
+              <a:rPr lang="en-US" altLang="ko-KR" sz="1000" dirty="0" smtClean="0">
+                <a:solidFill>
+                  <a:schemeClr val="tx1"/>
+                </a:solidFill>
+              </a:rPr>
+              <a:t>)</a:t>
+            </a:r>
+            <a:endParaRPr lang="ko-KR" altLang="en-US" sz="1000" dirty="0">
+              <a:solidFill>
+                <a:schemeClr val="tx1"/>
+              </a:solidFill>
+            </a:endParaRPr>
+          </a:p>
+        </p:txBody>
+      </p:sp>
+      <p:sp>
+        <p:nvSpPr>
+          <p:cNvPr id="16" name="직사각형 15"/>
+          <p:cNvSpPr/>
+          <p:nvPr/>
+        </p:nvSpPr>
+        <p:spPr>
+          <a:xfrm>
+            <a:off x="5148064" y="1844824"/>
+            <a:ext cx="959854" cy="360000"/>
+          </a:xfrm>
+          <a:prstGeom prst="rect">
+            <a:avLst/>
+          </a:prstGeom>
+          <a:noFill/>
+          <a:ln w="9525">
+            <a:solidFill>
+              <a:schemeClr val="tx1"/>
+            </a:solidFill>
+          </a:ln>
+        </p:spPr>
+        <p:style>
+          <a:lnRef idx="2">
+            <a:schemeClr val="accent1">
+              <a:shade val="50000"/>
+            </a:schemeClr>
+          </a:lnRef>
+          <a:fillRef idx="1">
+            <a:schemeClr val="accent1"/>
+          </a:fillRef>
+          <a:effectRef idx="0">
+            <a:schemeClr val="accent1"/>
+          </a:effectRef>
+          <a:fontRef idx="minor">
+            <a:schemeClr val="lt1"/>
+          </a:fontRef>
+        </p:style>
+        <p:txBody>
+          <a:bodyPr lIns="0" tIns="0" rIns="0" bIns="0" rtlCol="0" anchor="ctr"/>
+          <a:lstStyle/>
+          <a:p>
+            <a:pPr algn="ctr"/>
+            <a:r>
+              <a:rPr lang="ko-KR" altLang="en-US" sz="1000" dirty="0" smtClean="0">
+                <a:solidFill>
+                  <a:schemeClr val="tx1"/>
+                </a:solidFill>
+              </a:rPr>
+              <a:t>결과</a:t>
+            </a:r>
+            <a:r>
+              <a:rPr lang="en-US" altLang="ko-KR" sz="1000" dirty="0" smtClean="0">
+                <a:solidFill>
+                  <a:schemeClr val="tx1"/>
+                </a:solidFill>
+              </a:rPr>
+              <a:t>2(</a:t>
+            </a:r>
+            <a:r>
+              <a:rPr lang="ko-KR" altLang="en-US" sz="1000" dirty="0" smtClean="0">
+                <a:solidFill>
+                  <a:schemeClr val="tx1"/>
+                </a:solidFill>
+              </a:rPr>
+              <a:t>복귀</a:t>
+            </a:r>
+            <a:r>
+              <a:rPr lang="en-US" altLang="ko-KR" sz="1000" dirty="0" smtClean="0">
+                <a:solidFill>
+                  <a:schemeClr val="tx1"/>
+                </a:solidFill>
+              </a:rPr>
+              <a:t>)</a:t>
+            </a:r>
+            <a:endParaRPr lang="ko-KR" altLang="en-US" sz="1000" dirty="0">
+              <a:solidFill>
+                <a:schemeClr val="tx1"/>
+              </a:solidFill>
+            </a:endParaRPr>
+          </a:p>
+        </p:txBody>
+      </p:sp>
+      <p:cxnSp>
+        <p:nvCxnSpPr>
+          <p:cNvPr id="17" name="직선 화살표 연결선 16"/>
+          <p:cNvCxnSpPr>
+            <a:stCxn id="13" idx="3"/>
+            <a:endCxn id="14" idx="1"/>
+          </p:cNvCxnSpPr>
+          <p:nvPr/>
+        </p:nvCxnSpPr>
+        <p:spPr>
+          <a:xfrm>
+            <a:off x="2267624" y="1376752"/>
+            <a:ext cx="1080280" cy="0"/>
+          </a:xfrm>
+          <a:prstGeom prst="straightConnector1">
+            <a:avLst/>
+          </a:prstGeom>
+          <a:ln>
+            <a:solidFill>
+              <a:srgbClr val="C00000"/>
+            </a:solidFill>
+            <a:headEnd type="none" w="med" len="med"/>
+            <a:tailEnd type="triangle" w="med" len="med"/>
+          </a:ln>
+        </p:spPr>
+        <p:style>
+          <a:lnRef idx="1">
+            <a:schemeClr val="accent1"/>
+          </a:lnRef>
+          <a:fillRef idx="0">
+            <a:schemeClr val="accent1"/>
+          </a:fillRef>
+          <a:effectRef idx="0">
+            <a:schemeClr val="accent1"/>
+          </a:effectRef>
+          <a:fontRef idx="minor">
+            <a:schemeClr val="tx1"/>
+          </a:fontRef>
+        </p:style>
+      </p:cxnSp>
+      <p:cxnSp>
+        <p:nvCxnSpPr>
+          <p:cNvPr id="18" name="직선 화살표 연결선 17"/>
+          <p:cNvCxnSpPr>
+            <a:endCxn id="15" idx="1"/>
+          </p:cNvCxnSpPr>
+          <p:nvPr/>
+        </p:nvCxnSpPr>
+        <p:spPr>
+          <a:xfrm>
+            <a:off x="4067824" y="1376752"/>
+            <a:ext cx="1080239" cy="0"/>
+          </a:xfrm>
+          <a:prstGeom prst="straightConnector1">
+            <a:avLst/>
+          </a:prstGeom>
+          <a:ln>
+            <a:solidFill>
+              <a:srgbClr val="C00000"/>
+            </a:solidFill>
+            <a:headEnd type="none" w="med" len="med"/>
+            <a:tailEnd type="triangle" w="med" len="med"/>
+          </a:ln>
+        </p:spPr>
+        <p:style>
+          <a:lnRef idx="1">
+            <a:schemeClr val="accent1"/>
+          </a:lnRef>
+          <a:fillRef idx="0">
+            <a:schemeClr val="accent1"/>
+          </a:fillRef>
+          <a:effectRef idx="0">
+            <a:schemeClr val="accent1"/>
+          </a:effectRef>
+          <a:fontRef idx="minor">
+            <a:schemeClr val="tx1"/>
+          </a:fontRef>
+        </p:style>
+      </p:cxnSp>
+      <p:cxnSp>
+        <p:nvCxnSpPr>
+          <p:cNvPr id="19" name="꺾인 연결선 18"/>
+          <p:cNvCxnSpPr>
+            <a:endCxn id="16" idx="1"/>
+          </p:cNvCxnSpPr>
+          <p:nvPr/>
+        </p:nvCxnSpPr>
+        <p:spPr>
+          <a:xfrm>
+            <a:off x="4067904" y="1376752"/>
+            <a:ext cx="1080160" cy="648072"/>
+          </a:xfrm>
+          <a:prstGeom prst="bentConnector3">
+            <a:avLst/>
+          </a:prstGeom>
+          <a:ln>
+            <a:solidFill>
+              <a:srgbClr val="C00000"/>
+            </a:solidFill>
+            <a:headEnd type="none" w="med" len="med"/>
+            <a:tailEnd type="triangle" w="med" len="med"/>
+          </a:ln>
+        </p:spPr>
+        <p:style>
+          <a:lnRef idx="1">
+            <a:schemeClr val="accent1"/>
+          </a:lnRef>
+          <a:fillRef idx="0">
+            <a:schemeClr val="accent1"/>
+          </a:fillRef>
+          <a:effectRef idx="0">
+            <a:schemeClr val="accent1"/>
+          </a:effectRef>
+          <a:fontRef idx="minor">
+            <a:schemeClr val="tx1"/>
+          </a:fontRef>
+        </p:style>
+      </p:cxnSp>
+      <p:sp>
+        <p:nvSpPr>
+          <p:cNvPr id="20" name="직사각형 19"/>
+          <p:cNvSpPr/>
+          <p:nvPr/>
+        </p:nvSpPr>
+        <p:spPr>
+          <a:xfrm>
+            <a:off x="899592" y="951006"/>
+            <a:ext cx="5616624" cy="1512168"/>
+          </a:xfrm>
+          <a:prstGeom prst="rect">
+            <a:avLst/>
+          </a:prstGeom>
+          <a:noFill/>
+          <a:ln w="9525">
+            <a:solidFill>
+              <a:schemeClr val="tx1"/>
+            </a:solidFill>
+          </a:ln>
+        </p:spPr>
+        <p:style>
+          <a:lnRef idx="2">
+            <a:schemeClr val="accent1">
+              <a:shade val="50000"/>
+            </a:schemeClr>
+          </a:lnRef>
+          <a:fillRef idx="1">
+            <a:schemeClr val="accent1"/>
+          </a:fillRef>
+          <a:effectRef idx="0">
+            <a:schemeClr val="accent1"/>
+          </a:effectRef>
+          <a:fontRef idx="minor">
+            <a:schemeClr val="lt1"/>
+          </a:fontRef>
+        </p:style>
+        <p:txBody>
+          <a:bodyPr rtlCol="0" anchor="ctr"/>
+          <a:lstStyle/>
+          <a:p>
+            <a:pPr algn="ctr"/>
+            <a:endParaRPr lang="ko-KR" altLang="en-US"/>
+          </a:p>
+        </p:txBody>
+      </p:sp>
+      <p:sp>
+        <p:nvSpPr>
+          <p:cNvPr id="21" name="TextBox 20"/>
+          <p:cNvSpPr txBox="1"/>
+          <p:nvPr/>
+        </p:nvSpPr>
+        <p:spPr>
+          <a:xfrm>
+            <a:off x="1187624" y="779830"/>
+            <a:ext cx="1390124" cy="307777"/>
+          </a:xfrm>
+          <a:prstGeom prst="rect">
+            <a:avLst/>
+          </a:prstGeom>
+          <a:solidFill>
+            <a:schemeClr val="bg1"/>
+          </a:solidFill>
+        </p:spPr>
+        <p:txBody>
+          <a:bodyPr wrap="none" rtlCol="0">
+            <a:spAutoFit/>
+          </a:bodyPr>
+          <a:lstStyle/>
+          <a:p>
+            <a:r>
+              <a:rPr lang="ko-KR" altLang="en-US" sz="1400" b="1" dirty="0" smtClean="0"/>
+              <a:t>이벤트</a:t>
+            </a:r>
+            <a:r>
+              <a:rPr lang="en-US" altLang="ko-KR" sz="1400" b="1" dirty="0" smtClean="0"/>
+              <a:t>(</a:t>
+            </a:r>
+            <a:r>
+              <a:rPr lang="ko-KR" altLang="en-US" sz="1400" b="1" dirty="0" smtClean="0"/>
+              <a:t>스탠스</a:t>
+            </a:r>
+            <a:r>
+              <a:rPr lang="en-US" altLang="ko-KR" sz="1400" b="1" dirty="0" smtClean="0"/>
+              <a:t>)</a:t>
+            </a:r>
+            <a:endParaRPr lang="ko-KR" altLang="en-US" sz="1400" b="1" dirty="0"/>
+          </a:p>
+        </p:txBody>
+      </p:sp>
+      <p:sp>
+        <p:nvSpPr>
+          <p:cNvPr id="22" name="TextBox 21"/>
+          <p:cNvSpPr txBox="1"/>
+          <p:nvPr/>
+        </p:nvSpPr>
+        <p:spPr>
+          <a:xfrm>
+            <a:off x="4236708" y="1073641"/>
+            <a:ext cx="742511" cy="246221"/>
+          </a:xfrm>
+          <a:prstGeom prst="rect">
+            <a:avLst/>
+          </a:prstGeom>
+          <a:noFill/>
+        </p:spPr>
+        <p:txBody>
+          <a:bodyPr wrap="none" rtlCol="0">
+            <a:spAutoFit/>
+          </a:bodyPr>
+          <a:lstStyle/>
+          <a:p>
+            <a:r>
+              <a:rPr lang="ko-KR" altLang="en-US" sz="1000" dirty="0" err="1" smtClean="0"/>
+              <a:t>케어</a:t>
+            </a:r>
+            <a:r>
+              <a:rPr lang="ko-KR" altLang="en-US" sz="1000" dirty="0" smtClean="0"/>
+              <a:t> 성공</a:t>
+            </a:r>
+            <a:endParaRPr lang="ko-KR" altLang="en-US" sz="1000" dirty="0"/>
+          </a:p>
+        </p:txBody>
+      </p:sp>
+      <p:sp>
+        <p:nvSpPr>
+          <p:cNvPr id="23" name="TextBox 22"/>
+          <p:cNvSpPr txBox="1"/>
+          <p:nvPr/>
+        </p:nvSpPr>
+        <p:spPr>
+          <a:xfrm>
+            <a:off x="4236728" y="2081713"/>
+            <a:ext cx="742511" cy="246221"/>
+          </a:xfrm>
+          <a:prstGeom prst="rect">
+            <a:avLst/>
+          </a:prstGeom>
+          <a:noFill/>
+        </p:spPr>
+        <p:txBody>
+          <a:bodyPr wrap="none" rtlCol="0">
+            <a:spAutoFit/>
+          </a:bodyPr>
+          <a:lstStyle/>
+          <a:p>
+            <a:r>
+              <a:rPr lang="ko-KR" altLang="en-US" sz="1000" err="1" smtClean="0"/>
+              <a:t>케어</a:t>
+            </a:r>
+            <a:r>
+              <a:rPr lang="ko-KR" altLang="en-US" sz="1000" dirty="0" smtClean="0"/>
+              <a:t> 실패</a:t>
+            </a:r>
+            <a:endParaRPr lang="ko-KR" altLang="en-US" sz="1000" dirty="0"/>
+          </a:p>
+        </p:txBody>
+      </p:sp>
+      <p:sp>
+        <p:nvSpPr>
+          <p:cNvPr id="24" name="TextBox 23"/>
+          <p:cNvSpPr txBox="1"/>
+          <p:nvPr/>
+        </p:nvSpPr>
+        <p:spPr>
+          <a:xfrm>
+            <a:off x="1581004" y="3856660"/>
+            <a:ext cx="639919" cy="1200329"/>
+          </a:xfrm>
+          <a:prstGeom prst="rect">
+            <a:avLst/>
+          </a:prstGeom>
+          <a:noFill/>
+        </p:spPr>
+        <p:txBody>
+          <a:bodyPr wrap="none" rtlCol="0">
+            <a:spAutoFit/>
+          </a:bodyPr>
+          <a:lstStyle/>
+          <a:p>
+            <a:pPr algn="ctr">
+              <a:lnSpc>
+                <a:spcPct val="120000"/>
+              </a:lnSpc>
+            </a:pPr>
+            <a:r>
+              <a:rPr lang="ko-KR" altLang="en-US" sz="1000" dirty="0" smtClean="0"/>
+              <a:t>아이들</a:t>
+            </a:r>
+            <a:endParaRPr lang="en-US" altLang="ko-KR" sz="1000" dirty="0" smtClean="0"/>
+          </a:p>
+          <a:p>
+            <a:pPr algn="ctr">
+              <a:lnSpc>
+                <a:spcPct val="120000"/>
+              </a:lnSpc>
+            </a:pPr>
+            <a:r>
+              <a:rPr lang="ko-KR" altLang="en-US" sz="1000" dirty="0" smtClean="0"/>
+              <a:t>걷기</a:t>
+            </a:r>
+            <a:endParaRPr lang="en-US" altLang="ko-KR" sz="1000" dirty="0" smtClean="0"/>
+          </a:p>
+          <a:p>
+            <a:pPr algn="ctr">
+              <a:lnSpc>
+                <a:spcPct val="120000"/>
+              </a:lnSpc>
+            </a:pPr>
+            <a:r>
+              <a:rPr lang="ko-KR" altLang="en-US" sz="1000" dirty="0" smtClean="0"/>
+              <a:t>조깅</a:t>
+            </a:r>
+            <a:endParaRPr lang="en-US" altLang="ko-KR" sz="1000" dirty="0" smtClean="0"/>
+          </a:p>
+          <a:p>
+            <a:pPr algn="ctr">
+              <a:lnSpc>
+                <a:spcPct val="120000"/>
+              </a:lnSpc>
+            </a:pPr>
+            <a:r>
+              <a:rPr lang="ko-KR" altLang="en-US" sz="1000" dirty="0" smtClean="0"/>
+              <a:t>달리기</a:t>
+            </a:r>
+            <a:r>
+              <a:rPr lang="en-US" altLang="ko-KR" sz="1000" dirty="0" smtClean="0"/>
+              <a:t>1</a:t>
+            </a:r>
+          </a:p>
+          <a:p>
+            <a:pPr algn="ctr">
+              <a:lnSpc>
+                <a:spcPct val="120000"/>
+              </a:lnSpc>
+            </a:pPr>
+            <a:r>
+              <a:rPr lang="ko-KR" altLang="en-US" sz="1000" dirty="0" smtClean="0"/>
+              <a:t>달리기</a:t>
+            </a:r>
+            <a:r>
+              <a:rPr lang="en-US" altLang="ko-KR" sz="1000" dirty="0" smtClean="0"/>
+              <a:t>2</a:t>
+            </a:r>
+          </a:p>
+          <a:p>
+            <a:pPr algn="ctr">
+              <a:lnSpc>
+                <a:spcPct val="120000"/>
+              </a:lnSpc>
+            </a:pPr>
+            <a:r>
+              <a:rPr lang="ko-KR" altLang="en-US" sz="1000" dirty="0" smtClean="0"/>
+              <a:t>달리기</a:t>
+            </a:r>
+            <a:r>
+              <a:rPr lang="en-US" altLang="ko-KR" sz="1000" dirty="0" smtClean="0"/>
+              <a:t>3</a:t>
+            </a:r>
+          </a:p>
+        </p:txBody>
+      </p:sp>
+      <p:sp>
+        <p:nvSpPr>
+          <p:cNvPr id="25" name="TextBox 24"/>
+          <p:cNvSpPr txBox="1"/>
+          <p:nvPr/>
+        </p:nvSpPr>
+        <p:spPr>
+          <a:xfrm>
+            <a:off x="3387904" y="3856660"/>
+            <a:ext cx="639919" cy="1200329"/>
+          </a:xfrm>
+          <a:prstGeom prst="rect">
+            <a:avLst/>
+          </a:prstGeom>
+          <a:noFill/>
+        </p:spPr>
+        <p:txBody>
+          <a:bodyPr wrap="none" rtlCol="0">
+            <a:spAutoFit/>
+          </a:bodyPr>
+          <a:lstStyle/>
+          <a:p>
+            <a:pPr algn="ctr">
+              <a:lnSpc>
+                <a:spcPct val="120000"/>
+              </a:lnSpc>
+            </a:pPr>
+            <a:r>
+              <a:rPr lang="ko-KR" altLang="en-US" sz="1000" dirty="0" smtClean="0"/>
+              <a:t>아이들</a:t>
+            </a:r>
+            <a:endParaRPr lang="en-US" altLang="ko-KR" sz="1000" dirty="0" smtClean="0"/>
+          </a:p>
+          <a:p>
+            <a:pPr algn="ctr">
+              <a:lnSpc>
+                <a:spcPct val="120000"/>
+              </a:lnSpc>
+            </a:pPr>
+            <a:r>
+              <a:rPr lang="ko-KR" altLang="en-US" sz="1000" dirty="0" smtClean="0"/>
+              <a:t>걷기</a:t>
+            </a:r>
+            <a:endParaRPr lang="en-US" altLang="ko-KR" sz="1000" dirty="0" smtClean="0"/>
+          </a:p>
+          <a:p>
+            <a:pPr algn="ctr">
+              <a:lnSpc>
+                <a:spcPct val="120000"/>
+              </a:lnSpc>
+            </a:pPr>
+            <a:r>
+              <a:rPr lang="ko-KR" altLang="en-US" sz="1000" dirty="0" smtClean="0"/>
+              <a:t>조깅</a:t>
+            </a:r>
+            <a:endParaRPr lang="en-US" altLang="ko-KR" sz="1000" dirty="0" smtClean="0"/>
+          </a:p>
+          <a:p>
+            <a:pPr algn="ctr">
+              <a:lnSpc>
+                <a:spcPct val="120000"/>
+              </a:lnSpc>
+            </a:pPr>
+            <a:r>
+              <a:rPr lang="ko-KR" altLang="en-US" sz="1000" dirty="0" smtClean="0"/>
+              <a:t>달리기</a:t>
+            </a:r>
+            <a:r>
+              <a:rPr lang="en-US" altLang="ko-KR" sz="1000" dirty="0" smtClean="0"/>
+              <a:t>1</a:t>
+            </a:r>
+          </a:p>
+          <a:p>
+            <a:pPr algn="ctr">
+              <a:lnSpc>
+                <a:spcPct val="120000"/>
+              </a:lnSpc>
+            </a:pPr>
+            <a:r>
+              <a:rPr lang="ko-KR" altLang="en-US" sz="1000" dirty="0" smtClean="0"/>
+              <a:t>달리기</a:t>
+            </a:r>
+            <a:r>
+              <a:rPr lang="en-US" altLang="ko-KR" sz="1000" dirty="0" smtClean="0"/>
+              <a:t>2</a:t>
+            </a:r>
+          </a:p>
+          <a:p>
+            <a:pPr algn="ctr">
+              <a:lnSpc>
+                <a:spcPct val="120000"/>
+              </a:lnSpc>
+            </a:pPr>
+            <a:r>
+              <a:rPr lang="ko-KR" altLang="en-US" sz="1000" dirty="0" smtClean="0"/>
+              <a:t>달리기</a:t>
+            </a:r>
+            <a:r>
+              <a:rPr lang="en-US" altLang="ko-KR" sz="1000" dirty="0" smtClean="0"/>
+              <a:t>3</a:t>
+            </a:r>
+          </a:p>
+        </p:txBody>
+      </p:sp>
+      <p:sp>
+        <p:nvSpPr>
+          <p:cNvPr id="26" name="TextBox 25"/>
+          <p:cNvSpPr txBox="1"/>
+          <p:nvPr/>
+        </p:nvSpPr>
+        <p:spPr>
+          <a:xfrm>
+            <a:off x="5188104" y="3856660"/>
+            <a:ext cx="639919" cy="1200329"/>
+          </a:xfrm>
+          <a:prstGeom prst="rect">
+            <a:avLst/>
+          </a:prstGeom>
+          <a:noFill/>
+        </p:spPr>
+        <p:txBody>
+          <a:bodyPr wrap="none" rtlCol="0">
+            <a:spAutoFit/>
+          </a:bodyPr>
+          <a:lstStyle/>
+          <a:p>
+            <a:pPr algn="ctr">
+              <a:lnSpc>
+                <a:spcPct val="120000"/>
+              </a:lnSpc>
+            </a:pPr>
+            <a:r>
+              <a:rPr lang="ko-KR" altLang="en-US" sz="1000" dirty="0" smtClean="0"/>
+              <a:t>아이들</a:t>
+            </a:r>
+            <a:endParaRPr lang="en-US" altLang="ko-KR" sz="1000" dirty="0" smtClean="0"/>
+          </a:p>
+          <a:p>
+            <a:pPr algn="ctr">
+              <a:lnSpc>
+                <a:spcPct val="120000"/>
+              </a:lnSpc>
+            </a:pPr>
+            <a:r>
+              <a:rPr lang="ko-KR" altLang="en-US" sz="1000" dirty="0" smtClean="0"/>
+              <a:t>걷기</a:t>
+            </a:r>
+            <a:endParaRPr lang="en-US" altLang="ko-KR" sz="1000" dirty="0" smtClean="0"/>
+          </a:p>
+          <a:p>
+            <a:pPr algn="ctr">
+              <a:lnSpc>
+                <a:spcPct val="120000"/>
+              </a:lnSpc>
+            </a:pPr>
+            <a:r>
+              <a:rPr lang="ko-KR" altLang="en-US" sz="1000" dirty="0" smtClean="0"/>
+              <a:t>조깅</a:t>
+            </a:r>
+            <a:endParaRPr lang="en-US" altLang="ko-KR" sz="1000" dirty="0" smtClean="0"/>
+          </a:p>
+          <a:p>
+            <a:pPr algn="ctr">
+              <a:lnSpc>
+                <a:spcPct val="120000"/>
+              </a:lnSpc>
+            </a:pPr>
+            <a:r>
+              <a:rPr lang="ko-KR" altLang="en-US" sz="1000" dirty="0" smtClean="0"/>
+              <a:t>달리기</a:t>
+            </a:r>
+            <a:r>
+              <a:rPr lang="en-US" altLang="ko-KR" sz="1000" dirty="0" smtClean="0"/>
+              <a:t>1</a:t>
+            </a:r>
+          </a:p>
+          <a:p>
+            <a:pPr algn="ctr">
+              <a:lnSpc>
+                <a:spcPct val="120000"/>
+              </a:lnSpc>
+            </a:pPr>
+            <a:r>
+              <a:rPr lang="ko-KR" altLang="en-US" sz="1000" dirty="0" smtClean="0"/>
+              <a:t>달리기</a:t>
+            </a:r>
+            <a:r>
+              <a:rPr lang="en-US" altLang="ko-KR" sz="1000" dirty="0" smtClean="0"/>
+              <a:t>2</a:t>
+            </a:r>
+          </a:p>
+          <a:p>
+            <a:pPr algn="ctr">
+              <a:lnSpc>
+                <a:spcPct val="120000"/>
+              </a:lnSpc>
+            </a:pPr>
+            <a:r>
+              <a:rPr lang="ko-KR" altLang="en-US" sz="1000" dirty="0" smtClean="0"/>
+              <a:t>달리기</a:t>
+            </a:r>
+            <a:r>
+              <a:rPr lang="en-US" altLang="ko-KR" sz="1000" dirty="0" smtClean="0"/>
+              <a:t>3</a:t>
+            </a:r>
+          </a:p>
+        </p:txBody>
+      </p:sp>
+      <p:sp>
+        <p:nvSpPr>
+          <p:cNvPr id="27" name="TextBox 26"/>
+          <p:cNvSpPr txBox="1"/>
+          <p:nvPr/>
+        </p:nvSpPr>
+        <p:spPr>
+          <a:xfrm>
+            <a:off x="6316559" y="4207165"/>
+            <a:ext cx="1217000" cy="461665"/>
+          </a:xfrm>
+          <a:prstGeom prst="rect">
+            <a:avLst/>
+          </a:prstGeom>
+          <a:noFill/>
+        </p:spPr>
+        <p:txBody>
+          <a:bodyPr wrap="none" rtlCol="0">
+            <a:spAutoFit/>
+          </a:bodyPr>
+          <a:lstStyle/>
+          <a:p>
+            <a:pPr>
+              <a:lnSpc>
+                <a:spcPct val="120000"/>
+              </a:lnSpc>
+            </a:pPr>
+            <a:r>
+              <a:rPr lang="ko-KR" altLang="en-US" sz="1000" dirty="0" err="1" smtClean="0"/>
+              <a:t>탭수에</a:t>
+            </a:r>
+            <a:r>
+              <a:rPr lang="ko-KR" altLang="en-US" sz="1000" dirty="0" smtClean="0"/>
+              <a:t> 따라</a:t>
+            </a:r>
+            <a:endParaRPr lang="en-US" altLang="ko-KR" sz="1000" dirty="0" smtClean="0"/>
+          </a:p>
+          <a:p>
+            <a:pPr>
+              <a:lnSpc>
+                <a:spcPct val="120000"/>
+              </a:lnSpc>
+            </a:pPr>
+            <a:r>
+              <a:rPr lang="ko-KR" altLang="en-US" sz="1000" dirty="0" smtClean="0"/>
+              <a:t>동작 및 속도 결정</a:t>
+            </a:r>
+            <a:endParaRPr lang="ko-KR" altLang="en-US" sz="1000" dirty="0"/>
+          </a:p>
+        </p:txBody>
+      </p:sp>
+      <p:sp>
+        <p:nvSpPr>
+          <p:cNvPr id="28" name="왼쪽 중괄호 27"/>
+          <p:cNvSpPr/>
+          <p:nvPr/>
+        </p:nvSpPr>
+        <p:spPr>
+          <a:xfrm flipH="1">
+            <a:off x="5886393" y="3910712"/>
+            <a:ext cx="443052" cy="1037085"/>
+          </a:xfrm>
+          <a:prstGeom prst="leftBrace">
+            <a:avLst>
+              <a:gd name="adj1" fmla="val 0"/>
+              <a:gd name="adj2" fmla="val 50000"/>
+            </a:avLst>
+          </a:prstGeom>
+          <a:ln>
+            <a:solidFill>
+              <a:schemeClr val="tx1"/>
+            </a:solidFill>
+          </a:ln>
+        </p:spPr>
+        <p:style>
+          <a:lnRef idx="1">
+            <a:schemeClr val="accent1"/>
+          </a:lnRef>
+          <a:fillRef idx="0">
+            <a:schemeClr val="accent1"/>
+          </a:fillRef>
+          <a:effectRef idx="0">
+            <a:schemeClr val="accent1"/>
+          </a:effectRef>
+          <a:fontRef idx="minor">
+            <a:schemeClr val="tx1"/>
+          </a:fontRef>
+        </p:style>
+        <p:txBody>
+          <a:bodyPr rtlCol="0" anchor="ctr"/>
+          <a:lstStyle/>
+          <a:p>
+            <a:pPr algn="ctr"/>
+            <a:endParaRPr lang="ko-KR" altLang="en-US"/>
+          </a:p>
+        </p:txBody>
+      </p:sp>
+      <p:cxnSp>
+        <p:nvCxnSpPr>
+          <p:cNvPr id="29" name="꺾인 연결선 28"/>
+          <p:cNvCxnSpPr>
+            <a:stCxn id="9" idx="0"/>
+            <a:endCxn id="13" idx="2"/>
+          </p:cNvCxnSpPr>
+          <p:nvPr/>
+        </p:nvCxnSpPr>
+        <p:spPr>
+          <a:xfrm rot="16200000" flipV="1">
+            <a:off x="2431896" y="1032480"/>
+            <a:ext cx="1291796" cy="2340340"/>
+          </a:xfrm>
+          <a:prstGeom prst="bentConnector3">
+            <a:avLst>
+              <a:gd name="adj1" fmla="val 50000"/>
+            </a:avLst>
+          </a:prstGeom>
+          <a:ln>
+            <a:solidFill>
+              <a:srgbClr val="C00000"/>
+            </a:solidFill>
+            <a:prstDash val="sysDash"/>
+            <a:headEnd type="none" w="med" len="med"/>
+            <a:tailEnd type="triangle" w="med" len="med"/>
+          </a:ln>
+        </p:spPr>
+        <p:style>
+          <a:lnRef idx="1">
+            <a:schemeClr val="accent1"/>
+          </a:lnRef>
+          <a:fillRef idx="0">
+            <a:schemeClr val="accent1"/>
+          </a:fillRef>
+          <a:effectRef idx="0">
+            <a:schemeClr val="accent1"/>
+          </a:effectRef>
+          <a:fontRef idx="minor">
+            <a:schemeClr val="tx1"/>
+          </a:fontRef>
+        </p:style>
+      </p:cxnSp>
+      <p:cxnSp>
+        <p:nvCxnSpPr>
+          <p:cNvPr id="30" name="꺾인 연결선 29"/>
+          <p:cNvCxnSpPr>
+            <a:stCxn id="15" idx="3"/>
+            <a:endCxn id="9" idx="3"/>
+          </p:cNvCxnSpPr>
+          <p:nvPr/>
+        </p:nvCxnSpPr>
+        <p:spPr>
+          <a:xfrm>
+            <a:off x="6107918" y="1376752"/>
+            <a:ext cx="1488418" cy="2731936"/>
+          </a:xfrm>
+          <a:prstGeom prst="bentConnector3">
+            <a:avLst>
+              <a:gd name="adj1" fmla="val 115359"/>
+            </a:avLst>
+          </a:prstGeom>
+          <a:ln>
+            <a:solidFill>
+              <a:srgbClr val="C00000"/>
+            </a:solidFill>
+            <a:prstDash val="sysDash"/>
+            <a:headEnd type="none" w="med" len="med"/>
+            <a:tailEnd type="triangle" w="med" len="med"/>
+          </a:ln>
+        </p:spPr>
+        <p:style>
+          <a:lnRef idx="1">
+            <a:schemeClr val="accent1"/>
+          </a:lnRef>
+          <a:fillRef idx="0">
+            <a:schemeClr val="accent1"/>
+          </a:fillRef>
+          <a:effectRef idx="0">
+            <a:schemeClr val="accent1"/>
+          </a:effectRef>
+          <a:fontRef idx="minor">
+            <a:schemeClr val="tx1"/>
+          </a:fontRef>
+        </p:style>
+      </p:cxnSp>
+      <p:cxnSp>
+        <p:nvCxnSpPr>
+          <p:cNvPr id="31" name="꺾인 연결선 30"/>
+          <p:cNvCxnSpPr>
+            <a:stCxn id="16" idx="3"/>
+            <a:endCxn id="9" idx="3"/>
+          </p:cNvCxnSpPr>
+          <p:nvPr/>
+        </p:nvCxnSpPr>
+        <p:spPr>
+          <a:xfrm>
+            <a:off x="6107918" y="2024824"/>
+            <a:ext cx="1488418" cy="2083864"/>
+          </a:xfrm>
+          <a:prstGeom prst="bentConnector3">
+            <a:avLst>
+              <a:gd name="adj1" fmla="val 154588"/>
+            </a:avLst>
+          </a:prstGeom>
+          <a:ln>
+            <a:solidFill>
+              <a:srgbClr val="C00000"/>
+            </a:solidFill>
+            <a:prstDash val="sysDash"/>
+            <a:headEnd type="none" w="med" len="med"/>
+            <a:tailEnd type="triangle" w="med" len="med"/>
+          </a:ln>
+        </p:spPr>
+        <p:style>
+          <a:lnRef idx="1">
+            <a:schemeClr val="accent1"/>
+          </a:lnRef>
+          <a:fillRef idx="0">
+            <a:schemeClr val="accent1"/>
+          </a:fillRef>
+          <a:effectRef idx="0">
+            <a:schemeClr val="accent1"/>
+          </a:effectRef>
+          <a:fontRef idx="minor">
+            <a:schemeClr val="tx1"/>
+          </a:fontRef>
+        </p:style>
+      </p:cxnSp>
+      <p:sp>
+        <p:nvSpPr>
+          <p:cNvPr id="32" name="직사각형 31"/>
+          <p:cNvSpPr/>
+          <p:nvPr/>
+        </p:nvSpPr>
+        <p:spPr>
+          <a:xfrm>
+            <a:off x="1221004" y="6021328"/>
+            <a:ext cx="1440000" cy="360000"/>
+          </a:xfrm>
+          <a:prstGeom prst="rect">
+            <a:avLst/>
+          </a:prstGeom>
+          <a:noFill/>
+          <a:ln w="9525">
+            <a:solidFill>
+              <a:schemeClr val="tx1"/>
+            </a:solidFill>
+          </a:ln>
+        </p:spPr>
+        <p:style>
+          <a:lnRef idx="2">
+            <a:schemeClr val="accent1">
+              <a:shade val="50000"/>
+            </a:schemeClr>
+          </a:lnRef>
+          <a:fillRef idx="1">
+            <a:schemeClr val="accent1"/>
+          </a:fillRef>
+          <a:effectRef idx="0">
+            <a:schemeClr val="accent1"/>
+          </a:effectRef>
+          <a:fontRef idx="minor">
+            <a:schemeClr val="lt1"/>
+          </a:fontRef>
+        </p:style>
+        <p:txBody>
+          <a:bodyPr lIns="0" tIns="0" rIns="0" bIns="0" rtlCol="0" anchor="ctr"/>
+          <a:lstStyle/>
+          <a:p>
+            <a:pPr algn="ctr"/>
+            <a:r>
+              <a:rPr lang="ko-KR" altLang="en-US" sz="1000" smtClean="0">
+                <a:solidFill>
+                  <a:schemeClr val="tx1"/>
+                </a:solidFill>
+              </a:rPr>
+              <a:t>부위 별 터치 피드백</a:t>
+            </a:r>
+            <a:endParaRPr lang="ko-KR" altLang="en-US" sz="1000" dirty="0">
+              <a:solidFill>
+                <a:schemeClr val="tx1"/>
+              </a:solidFill>
+            </a:endParaRPr>
+          </a:p>
+        </p:txBody>
+      </p:sp>
+      <p:sp>
+        <p:nvSpPr>
+          <p:cNvPr id="33" name="직사각형 32"/>
+          <p:cNvSpPr/>
+          <p:nvPr/>
+        </p:nvSpPr>
+        <p:spPr>
+          <a:xfrm>
+            <a:off x="899592" y="5710930"/>
+            <a:ext cx="5616624" cy="886422"/>
+          </a:xfrm>
+          <a:prstGeom prst="rect">
+            <a:avLst/>
+          </a:prstGeom>
+          <a:noFill/>
+          <a:ln w="9525">
+            <a:solidFill>
+              <a:schemeClr val="tx1"/>
+            </a:solidFill>
+          </a:ln>
+        </p:spPr>
+        <p:style>
+          <a:lnRef idx="2">
+            <a:schemeClr val="accent1">
+              <a:shade val="50000"/>
+            </a:schemeClr>
+          </a:lnRef>
+          <a:fillRef idx="1">
+            <a:schemeClr val="accent1"/>
+          </a:fillRef>
+          <a:effectRef idx="0">
+            <a:schemeClr val="accent1"/>
+          </a:effectRef>
+          <a:fontRef idx="minor">
+            <a:schemeClr val="lt1"/>
+          </a:fontRef>
+        </p:style>
+        <p:txBody>
+          <a:bodyPr rtlCol="0" anchor="ctr"/>
+          <a:lstStyle/>
+          <a:p>
+            <a:pPr algn="ctr"/>
+            <a:endParaRPr lang="ko-KR" altLang="en-US"/>
+          </a:p>
+        </p:txBody>
+      </p:sp>
+      <p:sp>
+        <p:nvSpPr>
+          <p:cNvPr id="34" name="TextBox 33"/>
+          <p:cNvSpPr txBox="1"/>
+          <p:nvPr/>
+        </p:nvSpPr>
+        <p:spPr>
+          <a:xfrm>
+            <a:off x="1187624" y="5579367"/>
+            <a:ext cx="2409634" cy="307777"/>
+          </a:xfrm>
+          <a:prstGeom prst="rect">
+            <a:avLst/>
+          </a:prstGeom>
+          <a:solidFill>
+            <a:schemeClr val="bg1"/>
+          </a:solidFill>
+        </p:spPr>
+        <p:txBody>
+          <a:bodyPr wrap="none" rtlCol="0">
+            <a:spAutoFit/>
+          </a:bodyPr>
+          <a:lstStyle/>
+          <a:p>
+            <a:r>
+              <a:rPr lang="ko-KR" altLang="en-US" sz="1400" b="1" dirty="0" smtClean="0"/>
+              <a:t>기본 스탠스 아이들 동작 중</a:t>
+            </a:r>
+            <a:endParaRPr lang="ko-KR" altLang="en-US" sz="1400" b="1" dirty="0"/>
+          </a:p>
+        </p:txBody>
+      </p:sp>
+      <p:cxnSp>
+        <p:nvCxnSpPr>
+          <p:cNvPr id="35" name="꺾인 연결선 34"/>
+          <p:cNvCxnSpPr>
+            <a:stCxn id="36" idx="1"/>
+            <a:endCxn id="32" idx="1"/>
+          </p:cNvCxnSpPr>
+          <p:nvPr/>
+        </p:nvCxnSpPr>
+        <p:spPr>
+          <a:xfrm rot="10800000" flipV="1">
+            <a:off x="1221004" y="3991098"/>
+            <a:ext cx="326620" cy="2210229"/>
+          </a:xfrm>
+          <a:prstGeom prst="bentConnector3">
+            <a:avLst>
+              <a:gd name="adj1" fmla="val 304137"/>
+            </a:avLst>
+          </a:prstGeom>
+          <a:ln>
+            <a:solidFill>
+              <a:srgbClr val="C00000"/>
+            </a:solidFill>
+            <a:prstDash val="sysDash"/>
+            <a:headEnd type="none" w="med" len="med"/>
+            <a:tailEnd type="triangle" w="med" len="med"/>
+          </a:ln>
+        </p:spPr>
+        <p:style>
+          <a:lnRef idx="1">
+            <a:schemeClr val="accent1"/>
+          </a:lnRef>
+          <a:fillRef idx="0">
+            <a:schemeClr val="accent1"/>
+          </a:fillRef>
+          <a:effectRef idx="0">
+            <a:schemeClr val="accent1"/>
+          </a:effectRef>
+          <a:fontRef idx="minor">
+            <a:schemeClr val="tx1"/>
+          </a:fontRef>
+        </p:style>
+      </p:cxnSp>
+      <p:sp>
+        <p:nvSpPr>
+          <p:cNvPr id="36" name="직사각형 35"/>
+          <p:cNvSpPr/>
+          <p:nvPr/>
+        </p:nvSpPr>
+        <p:spPr>
+          <a:xfrm>
+            <a:off x="1547624" y="3892674"/>
+            <a:ext cx="4349786" cy="196850"/>
+          </a:xfrm>
+          <a:prstGeom prst="rect">
+            <a:avLst/>
+          </a:prstGeom>
+          <a:noFill/>
+          <a:ln w="9525">
+            <a:solidFill>
+              <a:schemeClr val="tx1"/>
+            </a:solidFill>
+            <a:prstDash val="dash"/>
+          </a:ln>
+        </p:spPr>
+        <p:style>
+          <a:lnRef idx="2">
+            <a:schemeClr val="accent1">
+              <a:shade val="50000"/>
+            </a:schemeClr>
+          </a:lnRef>
+          <a:fillRef idx="1">
+            <a:schemeClr val="accent1"/>
+          </a:fillRef>
+          <a:effectRef idx="0">
+            <a:schemeClr val="accent1"/>
+          </a:effectRef>
+          <a:fontRef idx="minor">
+            <a:schemeClr val="lt1"/>
+          </a:fontRef>
+        </p:style>
+        <p:txBody>
+          <a:bodyPr rtlCol="0" anchor="ctr"/>
+          <a:lstStyle/>
+          <a:p>
+            <a:pPr algn="ctr"/>
+            <a:endParaRPr lang="ko-KR" altLang="en-US"/>
+          </a:p>
+        </p:txBody>
+      </p:sp>
+      <p:sp>
+        <p:nvSpPr>
+          <p:cNvPr id="37" name="TextBox 36"/>
+          <p:cNvSpPr txBox="1"/>
+          <p:nvPr/>
+        </p:nvSpPr>
+        <p:spPr>
+          <a:xfrm>
+            <a:off x="4293858" y="2531671"/>
+            <a:ext cx="2589170" cy="246221"/>
+          </a:xfrm>
+          <a:prstGeom prst="rect">
+            <a:avLst/>
+          </a:prstGeom>
+          <a:noFill/>
+        </p:spPr>
+        <p:txBody>
+          <a:bodyPr wrap="none" rtlCol="0">
+            <a:spAutoFit/>
+          </a:bodyPr>
+          <a:lstStyle/>
+          <a:p>
+            <a:r>
+              <a:rPr lang="ko-KR" altLang="en-US" sz="1000" dirty="0" smtClean="0"/>
+              <a:t>레벨 데이터에 정의된 이벤트에 따라 발생</a:t>
+            </a:r>
+            <a:endParaRPr lang="ko-KR" altLang="en-US" sz="1000" dirty="0"/>
+          </a:p>
+        </p:txBody>
+      </p:sp>
+      <p:sp>
+        <p:nvSpPr>
+          <p:cNvPr id="38" name="TextBox 37"/>
+          <p:cNvSpPr txBox="1"/>
+          <p:nvPr/>
+        </p:nvSpPr>
+        <p:spPr>
+          <a:xfrm>
+            <a:off x="306091" y="245874"/>
+            <a:ext cx="3828292" cy="369332"/>
+          </a:xfrm>
+          <a:prstGeom prst="rect">
+            <a:avLst/>
+          </a:prstGeom>
+          <a:solidFill>
+            <a:schemeClr val="bg1"/>
+          </a:solidFill>
+        </p:spPr>
+        <p:txBody>
+          <a:bodyPr wrap="none" rtlCol="0">
+            <a:spAutoFit/>
+          </a:bodyPr>
+          <a:lstStyle/>
+          <a:p>
+            <a:r>
+              <a:rPr lang="ko-KR" altLang="en-US" b="1" dirty="0" smtClean="0"/>
+              <a:t>애니메이션 별 관계도</a:t>
+            </a:r>
+            <a:r>
+              <a:rPr lang="en-US" altLang="ko-KR" b="1" dirty="0" smtClean="0"/>
+              <a:t>(</a:t>
+            </a:r>
+            <a:r>
+              <a:rPr lang="ko-KR" altLang="en-US" b="1" dirty="0" err="1" smtClean="0"/>
+              <a:t>프로토</a:t>
+            </a:r>
+            <a:r>
+              <a:rPr lang="ko-KR" altLang="en-US" b="1" dirty="0" smtClean="0"/>
+              <a:t> 타입</a:t>
+            </a:r>
+            <a:r>
+              <a:rPr lang="en-US" altLang="ko-KR" b="1" dirty="0" smtClean="0"/>
+              <a:t>)</a:t>
+            </a:r>
+            <a:endParaRPr lang="ko-KR" altLang="en-US" b="1" dirty="0"/>
+          </a:p>
+        </p:txBody>
+      </p:sp>
+    </p:spTree>
+    <p:extLst>
+      <p:ext uri="{BB962C8B-B14F-4D97-AF65-F5344CB8AC3E}">
+        <p14:creationId xmlns:p14="http://schemas.microsoft.com/office/powerpoint/2010/main" val="542457570"/>
+      </p:ext>
+    </p:extLst>
+  </p:cSld>
+  <p:clrMapOvr>
+    <a:masterClrMapping/>
+  </p:clrMapOvr>
+</p:sld>
+</file>
+
 <file path=ppt/theme/theme1.xml><?xml version="1.0" encoding="utf-8"?>
 <a:theme xmlns:a="http://schemas.openxmlformats.org/drawingml/2006/main" name="Office 테마">
   <a:themeElements>
